--- a/doc/weekly/2022-10-10.pptx
+++ b/doc/weekly/2022-10-10.pptx
@@ -5,7 +5,7 @@
     <p:sldMasterId id="2147483648" r:id="rId1"/>
   </p:sldMasterIdLst>
   <p:notesMasterIdLst>
-    <p:notesMasterId r:id="rId18"/>
+    <p:notesMasterId r:id="rId17"/>
   </p:notesMasterIdLst>
   <p:sldIdLst>
     <p:sldId id="406" r:id="rId2"/>
@@ -23,7 +23,6 @@
     <p:sldId id="434" r:id="rId14"/>
     <p:sldId id="428" r:id="rId15"/>
     <p:sldId id="429" r:id="rId16"/>
-    <p:sldId id="430" r:id="rId17"/>
   </p:sldIdLst>
   <p:sldSz cx="12192000" cy="6858000"/>
   <p:notesSz cx="6858000" cy="9144000"/>
@@ -4062,92 +4061,70 @@
           <a:p>
             <a:pPr lvl="1"/>
             <a:r>
-              <a:rPr lang="en-US" dirty="0"/>
-              <a:t>Examples</a:t>
-            </a:r>
-          </a:p>
-          <a:p>
-            <a:r>
-              <a:rPr lang="en-US" dirty="0"/>
-              <a:t>Must get stack traces</a:t>
+              <a:rPr lang="en-US" dirty="0">
+                <a:hlinkClick r:id="rId2"/>
+              </a:rPr>
+              <a:t>Example</a:t>
+            </a:r>
+            <a:endParaRPr lang="en-US" dirty="0"/>
+          </a:p>
+          <a:p>
+            <a:r>
+              <a:rPr lang="en-US" dirty="0"/>
+              <a:t>We must get complete stack traces for each fault</a:t>
             </a:r>
           </a:p>
           <a:p>
             <a:pPr lvl="1"/>
             <a:r>
               <a:rPr lang="en-US" dirty="0"/>
-              <a:t>No tools</a:t>
+              <a:t>No tools out there</a:t>
             </a:r>
           </a:p>
           <a:p>
             <a:pPr lvl="1"/>
             <a:r>
-              <a:rPr lang="en-US" dirty="0"/>
-              <a:t>Signal faulting thread while it waits</a:t>
+              <a:rPr lang="en-US" u="sng" dirty="0">
+                <a:hlinkClick r:id="rId3"/>
+              </a:rPr>
+              <a:t>Our approach</a:t>
+            </a:r>
+            <a:r>
+              <a:rPr lang="en-US" dirty="0"/>
+              <a:t>: Signal faulting thread from Kona while it waits for the fault, and </a:t>
+            </a:r>
+            <a:r>
+              <a:rPr lang="en-US" dirty="0" err="1"/>
+              <a:t>backtrace</a:t>
+            </a:r>
+            <a:r>
+              <a:rPr lang="en-US" dirty="0"/>
+              <a:t> in the signal handler. Looks like the signal handler can run in faulted thread context even when the thread is blocked!</a:t>
             </a:r>
           </a:p>
           <a:p>
             <a:pPr lvl="1"/>
             <a:r>
+              <a:rPr lang="en-US" dirty="0">
+                <a:hlinkClick r:id="rId4"/>
+              </a:rPr>
+              <a:t>Example</a:t>
+            </a:r>
+            <a:r>
+              <a:rPr lang="en-US" dirty="0"/>
+              <a:t> for </a:t>
+            </a:r>
+            <a:r>
               <a:rPr lang="en-US" dirty="0" err="1"/>
-              <a:t>Backtrace</a:t>
-            </a:r>
-            <a:r>
-              <a:rPr lang="en-US" dirty="0"/>
-              <a:t> in the signal handler</a:t>
-            </a:r>
-          </a:p>
-          <a:p>
-            <a:pPr lvl="1"/>
-            <a:r>
-              <a:rPr lang="en-US" dirty="0"/>
-              <a:t>CDF of traces might look very different!</a:t>
-            </a:r>
-          </a:p>
-          <a:p>
-            <a:pPr lvl="1"/>
-            <a:endParaRPr lang="en-US" dirty="0"/>
-          </a:p>
-          <a:p>
-            <a:endParaRPr lang="en-US" dirty="0"/>
-          </a:p>
-        </p:txBody>
-      </p:sp>
-      <p:pic>
-        <p:nvPicPr>
-          <p:cNvPr id="4" name="Picture 3">
-            <a:extLst>
-              <a:ext uri="{FF2B5EF4-FFF2-40B4-BE49-F238E27FC236}">
-                <a16:creationId xmlns:a16="http://schemas.microsoft.com/office/drawing/2014/main" id="{9CC49033-8AD9-E142-A7A6-C2B5B6978E95}"/>
-              </a:ext>
-            </a:extLst>
-          </p:cNvPr>
-          <p:cNvPicPr>
-            <a:picLocks noChangeAspect="1"/>
-          </p:cNvPicPr>
-          <p:nvPr/>
-        </p:nvPicPr>
-        <p:blipFill>
-          <a:blip r:embed="rId2"/>
-          <a:stretch>
-            <a:fillRect/>
-          </a:stretch>
-        </p:blipFill>
-        <p:spPr>
-          <a:xfrm>
-            <a:off x="7059088" y="4001294"/>
-            <a:ext cx="5132912" cy="1733191"/>
-          </a:xfrm>
-          <a:prstGeom prst="rect">
-            <a:avLst/>
-          </a:prstGeom>
-          <a:ln>
-            <a:solidFill>
-              <a:schemeClr val="tx1"/>
-            </a:solidFill>
-          </a:ln>
-        </p:spPr>
-      </p:pic>
+              <a:t>backtraces</a:t>
+            </a:r>
+            <a:r>
+              <a:rPr lang="en-US" dirty="0"/>
+              <a:t>: Need to analyze them</a:t>
+            </a:r>
+          </a:p>
+        </p:txBody>
+      </p:sp>
     </p:spTree>
     <p:extLst>
       <p:ext uri="{BB962C8B-B14F-4D97-AF65-F5344CB8AC3E}">
@@ -4383,7 +4360,7 @@
           <a:p>
             <a:r>
               <a:rPr lang="en-US" dirty="0"/>
-              <a:t>UFFD quirks</a:t>
+              <a:t>UFFD microbenchmarks</a:t>
             </a:r>
           </a:p>
         </p:txBody>
@@ -4514,6 +4491,41 @@
             <a:r>
               <a:rPr lang="en-US" dirty="0"/>
               <a:t>Shared FD</a:t>
+            </a:r>
+          </a:p>
+        </p:txBody>
+      </p:sp>
+      <p:sp>
+        <p:nvSpPr>
+          <p:cNvPr id="8" name="TextBox 7">
+            <a:extLst>
+              <a:ext uri="{FF2B5EF4-FFF2-40B4-BE49-F238E27FC236}">
+                <a16:creationId xmlns:a16="http://schemas.microsoft.com/office/drawing/2014/main" id="{8069C420-54E7-BC48-93EE-5A4ABF93C42B}"/>
+              </a:ext>
+            </a:extLst>
+          </p:cNvPr>
+          <p:cNvSpPr txBox="1"/>
+          <p:nvPr/>
+        </p:nvSpPr>
+        <p:spPr>
+          <a:xfrm>
+            <a:off x="838200" y="1690688"/>
+            <a:ext cx="6096000" cy="369332"/>
+          </a:xfrm>
+          <a:prstGeom prst="rect">
+            <a:avLst/>
+          </a:prstGeom>
+          <a:noFill/>
+        </p:spPr>
+        <p:txBody>
+          <a:bodyPr wrap="square">
+            <a:spAutoFit/>
+          </a:bodyPr>
+          <a:lstStyle/>
+          <a:p>
+            <a:r>
+              <a:rPr lang="en-US" dirty="0"/>
+              <a:t>Kernel fault performance </a:t>
             </a:r>
           </a:p>
         </p:txBody>
@@ -4571,7 +4583,7 @@
           <a:p>
             <a:r>
               <a:rPr lang="en-US" dirty="0"/>
-              <a:t>UFFD quirks</a:t>
+              <a:t>UFFD microbenchmarks</a:t>
             </a:r>
           </a:p>
         </p:txBody>
@@ -4635,98 +4647,84 @@
           </a:prstGeom>
         </p:spPr>
       </p:pic>
+      <p:sp>
+        <p:nvSpPr>
+          <p:cNvPr id="3" name="TextBox 2">
+            <a:extLst>
+              <a:ext uri="{FF2B5EF4-FFF2-40B4-BE49-F238E27FC236}">
+                <a16:creationId xmlns:a16="http://schemas.microsoft.com/office/drawing/2014/main" id="{5E1E085C-30DB-3E4A-B0C8-ADD7A3E0FD8F}"/>
+              </a:ext>
+            </a:extLst>
+          </p:cNvPr>
+          <p:cNvSpPr txBox="1"/>
+          <p:nvPr/>
+        </p:nvSpPr>
+        <p:spPr>
+          <a:xfrm>
+            <a:off x="2714625" y="5724525"/>
+            <a:ext cx="1209434" cy="369332"/>
+          </a:xfrm>
+          <a:prstGeom prst="rect">
+            <a:avLst/>
+          </a:prstGeom>
+          <a:noFill/>
+        </p:spPr>
+        <p:txBody>
+          <a:bodyPr wrap="none" rtlCol="0">
+            <a:spAutoFit/>
+          </a:bodyPr>
+          <a:lstStyle/>
+          <a:p>
+            <a:r>
+              <a:rPr lang="en-US" dirty="0"/>
+              <a:t>UFFD Copy</a:t>
+            </a:r>
+          </a:p>
+        </p:txBody>
+      </p:sp>
+      <p:sp>
+        <p:nvSpPr>
+          <p:cNvPr id="6" name="TextBox 5">
+            <a:extLst>
+              <a:ext uri="{FF2B5EF4-FFF2-40B4-BE49-F238E27FC236}">
+                <a16:creationId xmlns:a16="http://schemas.microsoft.com/office/drawing/2014/main" id="{2D89B7AC-2DB2-8442-BC47-1D3D384C69BE}"/>
+              </a:ext>
+            </a:extLst>
+          </p:cNvPr>
+          <p:cNvSpPr txBox="1"/>
+          <p:nvPr/>
+        </p:nvSpPr>
+        <p:spPr>
+          <a:xfrm>
+            <a:off x="7329851" y="5724525"/>
+            <a:ext cx="2276649" cy="369332"/>
+          </a:xfrm>
+          <a:prstGeom prst="rect">
+            <a:avLst/>
+          </a:prstGeom>
+          <a:noFill/>
+        </p:spPr>
+        <p:txBody>
+          <a:bodyPr wrap="none" rtlCol="0">
+            <a:spAutoFit/>
+          </a:bodyPr>
+          <a:lstStyle/>
+          <a:p>
+            <a:r>
+              <a:rPr lang="en-US" dirty="0" err="1"/>
+              <a:t>Madvise</a:t>
+            </a:r>
+            <a:r>
+              <a:rPr lang="en-US" dirty="0"/>
+              <a:t> DON’T_NEED</a:t>
+            </a:r>
+          </a:p>
+        </p:txBody>
+      </p:sp>
     </p:spTree>
     <p:extLst>
       <p:ext uri="{BB962C8B-B14F-4D97-AF65-F5344CB8AC3E}">
         <p14:creationId xmlns:p14="http://schemas.microsoft.com/office/powerpoint/2010/main" val="1197306139"/>
-      </p:ext>
-    </p:extLst>
-  </p:cSld>
-  <p:clrMapOvr>
-    <a:masterClrMapping/>
-  </p:clrMapOvr>
-</p:sld>
-</file>
-
-<file path=ppt/slides/slide16.xml><?xml version="1.0" encoding="utf-8"?>
-<p:sld xmlns:a="http://schemas.openxmlformats.org/drawingml/2006/main" xmlns:r="http://schemas.openxmlformats.org/officeDocument/2006/relationships" xmlns:p="http://schemas.openxmlformats.org/presentationml/2006/main">
-  <p:cSld>
-    <p:spTree>
-      <p:nvGrpSpPr>
-        <p:cNvPr id="1" name=""/>
-        <p:cNvGrpSpPr/>
-        <p:nvPr/>
-      </p:nvGrpSpPr>
-      <p:grpSpPr>
-        <a:xfrm>
-          <a:off x="0" y="0"/>
-          <a:ext cx="0" cy="0"/>
-          <a:chOff x="0" y="0"/>
-          <a:chExt cx="0" cy="0"/>
-        </a:xfrm>
-      </p:grpSpPr>
-      <p:sp>
-        <p:nvSpPr>
-          <p:cNvPr id="2" name="Title 1">
-            <a:extLst>
-              <a:ext uri="{FF2B5EF4-FFF2-40B4-BE49-F238E27FC236}">
-                <a16:creationId xmlns:a16="http://schemas.microsoft.com/office/drawing/2014/main" id="{33A2B6CF-54A4-CE4B-AA95-6411BA2EE2F9}"/>
-              </a:ext>
-            </a:extLst>
-          </p:cNvPr>
-          <p:cNvSpPr>
-            <a:spLocks noGrp="1"/>
-          </p:cNvSpPr>
-          <p:nvPr>
-            <p:ph type="title"/>
-          </p:nvPr>
-        </p:nvSpPr>
-        <p:spPr/>
-        <p:txBody>
-          <a:bodyPr/>
-          <a:lstStyle/>
-          <a:p>
-            <a:r>
-              <a:rPr lang="en-US" dirty="0"/>
-              <a:t>UFFD quirks</a:t>
-            </a:r>
-          </a:p>
-        </p:txBody>
-      </p:sp>
-      <p:pic>
-        <p:nvPicPr>
-          <p:cNvPr id="9" name="Picture 8" descr="Chart, line chart&#10;&#10;Description automatically generated">
-            <a:extLst>
-              <a:ext uri="{FF2B5EF4-FFF2-40B4-BE49-F238E27FC236}">
-                <a16:creationId xmlns:a16="http://schemas.microsoft.com/office/drawing/2014/main" id="{65928423-8B9E-894C-8EB6-B79825DEC525}"/>
-              </a:ext>
-            </a:extLst>
-          </p:cNvPr>
-          <p:cNvPicPr>
-            <a:picLocks noChangeAspect="1"/>
-          </p:cNvPicPr>
-          <p:nvPr/>
-        </p:nvPicPr>
-        <p:blipFill>
-          <a:blip r:embed="rId2"/>
-          <a:stretch>
-            <a:fillRect/>
-          </a:stretch>
-        </p:blipFill>
-        <p:spPr>
-          <a:xfrm>
-            <a:off x="2433320" y="2180670"/>
-            <a:ext cx="5623560" cy="3749040"/>
-          </a:xfrm>
-          <a:prstGeom prst="rect">
-            <a:avLst/>
-          </a:prstGeom>
-        </p:spPr>
-      </p:pic>
-    </p:spTree>
-    <p:extLst>
-      <p:ext uri="{BB962C8B-B14F-4D97-AF65-F5344CB8AC3E}">
-        <p14:creationId xmlns:p14="http://schemas.microsoft.com/office/powerpoint/2010/main" val="3332144810"/>
       </p:ext>
     </p:extLst>
   </p:cSld>
@@ -5923,6 +5921,32 @@
               <a:rPr lang="en-US" dirty="0"/>
               <a:t>Re-take results for Memcached, Synthetic and Sort</a:t>
             </a:r>
+          </a:p>
+          <a:p>
+            <a:pPr marL="457200" lvl="1" indent="0">
+              <a:buNone/>
+            </a:pPr>
+            <a:endParaRPr lang="en-US" dirty="0"/>
+          </a:p>
+          <a:p>
+            <a:pPr marL="0" indent="0">
+              <a:buNone/>
+            </a:pPr>
+            <a:endParaRPr lang="en-US" sz="2000" dirty="0">
+              <a:hlinkClick r:id="rId2"/>
+            </a:endParaRPr>
+          </a:p>
+          <a:p>
+            <a:pPr marL="0" indent="0">
+              <a:buNone/>
+            </a:pPr>
+            <a:r>
+              <a:rPr lang="en-US" sz="2400" dirty="0">
+                <a:hlinkClick r:id="rId2"/>
+              </a:rPr>
+              <a:t>https://gitlab.eng.vmware.com/kona/shenango/-/commits/edenv2/</a:t>
+            </a:r>
+            <a:endParaRPr lang="en-US" sz="2400" dirty="0"/>
           </a:p>
         </p:txBody>
       </p:sp>

--- a/doc/weekly/2022-10-10.pptx
+++ b/doc/weekly/2022-10-10.pptx
@@ -4303,7 +4303,10 @@
           <a:bodyPr/>
           <a:lstStyle/>
           <a:p>
-            <a:endParaRPr lang="en-US"/>
+            <a:r>
+              <a:rPr lang="en-US" dirty="0"/>
+              <a:t>F</a:t>
+            </a:r>
           </a:p>
         </p:txBody>
       </p:sp>
@@ -5874,7 +5877,9 @@
         </p:nvSpPr>
         <p:spPr/>
         <p:txBody>
-          <a:bodyPr/>
+          <a:bodyPr>
+            <a:normAutofit lnSpcReduction="10000"/>
+          </a:bodyPr>
           <a:lstStyle/>
           <a:p>
             <a:r>
@@ -5893,7 +5898,13 @@
             </a:r>
             <a:r>
               <a:rPr lang="en-US" dirty="0"/>
-              <a:t> integration </a:t>
+              <a:t> integration</a:t>
+            </a:r>
+          </a:p>
+          <a:p>
+            <a:r>
+              <a:rPr lang="en-US" dirty="0"/>
+              <a:t>Has to switch to more fine-grained locking for remote memory work </a:t>
             </a:r>
           </a:p>
           <a:p>
